--- a/21_PowerTransform.pptx
+++ b/21_PowerTransform.pptx
@@ -5,7 +5,7 @@
     <p:sldMasterId id="2147483648" r:id="rId1"/>
   </p:sldMasterIdLst>
   <p:notesMasterIdLst>
-    <p:notesMasterId r:id="rId20"/>
+    <p:notesMasterId r:id="rId22"/>
   </p:notesMasterIdLst>
   <p:sldIdLst>
     <p:sldId id="256" r:id="rId2"/>
@@ -21,11 +21,13 @@
     <p:sldId id="293" r:id="rId12"/>
     <p:sldId id="296" r:id="rId13"/>
     <p:sldId id="292" r:id="rId14"/>
-    <p:sldId id="284" r:id="rId15"/>
-    <p:sldId id="267" r:id="rId16"/>
-    <p:sldId id="297" r:id="rId17"/>
-    <p:sldId id="298" r:id="rId18"/>
-    <p:sldId id="259" r:id="rId19"/>
+    <p:sldId id="299" r:id="rId15"/>
+    <p:sldId id="300" r:id="rId16"/>
+    <p:sldId id="284" r:id="rId17"/>
+    <p:sldId id="267" r:id="rId18"/>
+    <p:sldId id="297" r:id="rId19"/>
+    <p:sldId id="298" r:id="rId20"/>
+    <p:sldId id="259" r:id="rId21"/>
   </p:sldIdLst>
   <p:sldSz cx="9144000" cy="6858000" type="screen4x3"/>
   <p:notesSz cx="6858000" cy="9144000"/>
@@ -4499,21 +4501,8 @@
                   <a:srgbClr val="C00000"/>
                 </a:solidFill>
               </a:rPr>
-              <a:t>Power </a:t>
-            </a:r>
-            <a:r>
-              <a:rPr lang="en-US" sz="1800" b="1" dirty="0" err="1">
-                <a:solidFill>
-                  <a:srgbClr val="C00000"/>
-                </a:solidFill>
-              </a:rPr>
-              <a:t>Transforamtion</a:t>
-            </a:r>
-            <a:endParaRPr lang="en-US" sz="1800" b="1" dirty="0">
-              <a:solidFill>
-                <a:srgbClr val="C00000"/>
-              </a:solidFill>
-            </a:endParaRPr>
+              <a:t>Power Transformation</a:t>
+            </a:r>
           </a:p>
           <a:p>
             <a:pPr marL="342900" indent="-342900" algn="l">
@@ -4966,7 +4955,7 @@
                   <a:srgbClr val="FFFF00"/>
                 </a:solidFill>
               </a:rPr>
-              <a:t>21.1 Quiz</a:t>
+              <a:t>21.4 Summary</a:t>
             </a:r>
             <a:endParaRPr lang="zh-TW" altLang="en-US" sz="4800" b="1" dirty="0">
               <a:solidFill>
@@ -5019,6 +5008,426 @@
               <a:rPr lang="zh-TW" altLang="en-US" smtClean="0"/>
               <a:pPr/>
               <a:t>14</a:t>
+            </a:fld>
+            <a:endParaRPr lang="zh-TW" altLang="en-US"/>
+          </a:p>
+        </p:txBody>
+      </p:sp>
+      <p:pic>
+        <p:nvPicPr>
+          <p:cNvPr id="7" name="Picture 6">
+            <a:extLst>
+              <a:ext uri="{FF2B5EF4-FFF2-40B4-BE49-F238E27FC236}">
+                <a16:creationId xmlns:a16="http://schemas.microsoft.com/office/drawing/2014/main" id="{1BE488C5-DA27-405E-9F7E-A4EF5DF95762}"/>
+              </a:ext>
+            </a:extLst>
+          </p:cNvPr>
+          <p:cNvPicPr>
+            <a:picLocks noChangeAspect="1"/>
+          </p:cNvPicPr>
+          <p:nvPr/>
+        </p:nvPicPr>
+        <p:blipFill>
+          <a:blip r:embed="rId2"/>
+          <a:stretch>
+            <a:fillRect/>
+          </a:stretch>
+        </p:blipFill>
+        <p:spPr>
+          <a:xfrm>
+            <a:off x="3923928" y="3695964"/>
+            <a:ext cx="1004960" cy="885164"/>
+          </a:xfrm>
+          <a:prstGeom prst="rect">
+            <a:avLst/>
+          </a:prstGeom>
+        </p:spPr>
+      </p:pic>
+    </p:spTree>
+    <p:extLst>
+      <p:ext uri="{BB962C8B-B14F-4D97-AF65-F5344CB8AC3E}">
+        <p14:creationId xmlns:p14="http://schemas.microsoft.com/office/powerpoint/2010/main" val="1287861364"/>
+      </p:ext>
+    </p:extLst>
+  </p:cSld>
+  <p:clrMapOvr>
+    <a:masterClrMapping/>
+  </p:clrMapOvr>
+</p:sld>
+</file>
+
+<file path=ppt/slides/slide15.xml><?xml version="1.0" encoding="utf-8"?>
+<p:sld xmlns:a="http://schemas.openxmlformats.org/drawingml/2006/main" xmlns:r="http://schemas.openxmlformats.org/officeDocument/2006/relationships" xmlns:p="http://schemas.openxmlformats.org/presentationml/2006/main">
+  <p:cSld>
+    <p:spTree>
+      <p:nvGrpSpPr>
+        <p:cNvPr id="1" name=""/>
+        <p:cNvGrpSpPr/>
+        <p:nvPr/>
+      </p:nvGrpSpPr>
+      <p:grpSpPr>
+        <a:xfrm>
+          <a:off x="0" y="0"/>
+          <a:ext cx="0" cy="0"/>
+          <a:chOff x="0" y="0"/>
+          <a:chExt cx="0" cy="0"/>
+        </a:xfrm>
+      </p:grpSpPr>
+      <p:sp>
+        <p:nvSpPr>
+          <p:cNvPr id="2" name="標題 1"/>
+          <p:cNvSpPr>
+            <a:spLocks noGrp="1"/>
+          </p:cNvSpPr>
+          <p:nvPr>
+            <p:ph type="ctrTitle"/>
+          </p:nvPr>
+        </p:nvSpPr>
+        <p:spPr>
+          <a:xfrm>
+            <a:off x="0" y="1"/>
+            <a:ext cx="9144000" cy="764704"/>
+          </a:xfrm>
+          <a:gradFill flip="none" rotWithShape="1">
+            <a:gsLst>
+              <a:gs pos="0">
+                <a:srgbClr val="C00000">
+                  <a:shade val="30000"/>
+                  <a:satMod val="115000"/>
+                </a:srgbClr>
+              </a:gs>
+              <a:gs pos="50000">
+                <a:srgbClr val="C00000">
+                  <a:shade val="67500"/>
+                  <a:satMod val="115000"/>
+                </a:srgbClr>
+              </a:gs>
+              <a:gs pos="100000">
+                <a:srgbClr val="C00000">
+                  <a:shade val="100000"/>
+                  <a:satMod val="115000"/>
+                </a:srgbClr>
+              </a:gs>
+            </a:gsLst>
+            <a:path path="circle">
+              <a:fillToRect t="100000" r="100000"/>
+            </a:path>
+            <a:tileRect l="-100000" b="-100000"/>
+          </a:gradFill>
+        </p:spPr>
+        <p:txBody>
+          <a:bodyPr>
+            <a:normAutofit/>
+          </a:bodyPr>
+          <a:lstStyle/>
+          <a:p>
+            <a:pPr algn="l"/>
+            <a:r>
+              <a:rPr lang="en-US" altLang="zh-TW" b="1" dirty="0">
+                <a:solidFill>
+                  <a:srgbClr val="FFFF00"/>
+                </a:solidFill>
+              </a:rPr>
+              <a:t>21.4 Summary</a:t>
+            </a:r>
+            <a:endParaRPr lang="zh-TW" altLang="en-US" b="1" dirty="0">
+              <a:solidFill>
+                <a:srgbClr val="FFFF00"/>
+              </a:solidFill>
+            </a:endParaRPr>
+          </a:p>
+        </p:txBody>
+      </p:sp>
+      <p:sp>
+        <p:nvSpPr>
+          <p:cNvPr id="3" name="副標題 2"/>
+          <p:cNvSpPr>
+            <a:spLocks noGrp="1"/>
+          </p:cNvSpPr>
+          <p:nvPr>
+            <p:ph type="subTitle" idx="1"/>
+          </p:nvPr>
+        </p:nvSpPr>
+        <p:spPr>
+          <a:xfrm>
+            <a:off x="333872" y="1356856"/>
+            <a:ext cx="8352928" cy="920016"/>
+          </a:xfrm>
+          <a:ln>
+            <a:solidFill>
+              <a:srgbClr val="C00000"/>
+            </a:solidFill>
+          </a:ln>
+        </p:spPr>
+        <p:txBody>
+          <a:bodyPr>
+            <a:noAutofit/>
+          </a:bodyPr>
+          <a:lstStyle/>
+          <a:p>
+            <a:pPr marL="342900" indent="-342900" algn="l">
+              <a:buClr>
+                <a:srgbClr val="0070C0"/>
+              </a:buClr>
+              <a:buSzPct val="80000"/>
+              <a:buFont typeface="Wingdings" pitchFamily="2" charset="2"/>
+              <a:buChar char="u"/>
+            </a:pPr>
+            <a:r>
+              <a:rPr lang="en-US" sz="1800" b="1" dirty="0">
+                <a:solidFill>
+                  <a:schemeClr val="tx1"/>
+                </a:solidFill>
+              </a:rPr>
+              <a:t>Summary</a:t>
+            </a:r>
+          </a:p>
+          <a:p>
+            <a:pPr marL="342900" indent="-342900" algn="l">
+              <a:buClr>
+                <a:srgbClr val="0070C0"/>
+              </a:buClr>
+              <a:buSzPct val="80000"/>
+              <a:buFont typeface="Wingdings" pitchFamily="2" charset="2"/>
+              <a:buChar char="u"/>
+            </a:pPr>
+            <a:r>
+              <a:rPr lang="en-US" sz="1800" dirty="0">
+                <a:solidFill>
+                  <a:schemeClr val="tx1"/>
+                </a:solidFill>
+              </a:rPr>
+              <a:t>Power Transformation Change skewed data in the selected column to a normal-look distribution.</a:t>
+            </a:r>
+          </a:p>
+        </p:txBody>
+      </p:sp>
+      <p:sp>
+        <p:nvSpPr>
+          <p:cNvPr id="4" name="標題 1"/>
+          <p:cNvSpPr txBox="1">
+            <a:spLocks/>
+          </p:cNvSpPr>
+          <p:nvPr/>
+        </p:nvSpPr>
+        <p:spPr>
+          <a:xfrm>
+            <a:off x="0" y="764704"/>
+            <a:ext cx="9144000" cy="360040"/>
+          </a:xfrm>
+          <a:prstGeom prst="rect">
+            <a:avLst/>
+          </a:prstGeom>
+          <a:gradFill flip="none" rotWithShape="1">
+            <a:gsLst>
+              <a:gs pos="0">
+                <a:srgbClr val="00B0F0">
+                  <a:shade val="30000"/>
+                  <a:satMod val="115000"/>
+                </a:srgbClr>
+              </a:gs>
+              <a:gs pos="50000">
+                <a:srgbClr val="00B0F0">
+                  <a:shade val="67500"/>
+                  <a:satMod val="115000"/>
+                </a:srgbClr>
+              </a:gs>
+              <a:gs pos="100000">
+                <a:srgbClr val="00B0F0">
+                  <a:shade val="100000"/>
+                  <a:satMod val="115000"/>
+                </a:srgbClr>
+              </a:gs>
+            </a:gsLst>
+            <a:path path="circle">
+              <a:fillToRect t="100000" r="100000"/>
+            </a:path>
+            <a:tileRect l="-100000" b="-100000"/>
+          </a:gradFill>
+        </p:spPr>
+        <p:txBody>
+          <a:bodyPr vert="horz" lIns="91440" tIns="45720" rIns="91440" bIns="45720" rtlCol="0" anchor="ctr">
+            <a:normAutofit fontScale="92500"/>
+          </a:bodyPr>
+          <a:lstStyle/>
+          <a:p>
+            <a:pPr lvl="0">
+              <a:spcBef>
+                <a:spcPct val="0"/>
+              </a:spcBef>
+            </a:pPr>
+            <a:r>
+              <a:rPr lang="en-US" sz="1600" dirty="0">
+                <a:hlinkClick r:id="rId2"/>
+              </a:rPr>
+              <a:t>https://www.youtube.com/watch?v=PKEPmVn7sDM&amp;list=PL1w8k37X_6L-fBgXCiCsn6ugDsr1Nmfqk&amp;index=21</a:t>
+            </a:r>
+            <a:endParaRPr lang="zh-TW" altLang="en-US" sz="1600" dirty="0"/>
+          </a:p>
+        </p:txBody>
+      </p:sp>
+      <p:sp>
+        <p:nvSpPr>
+          <p:cNvPr id="5" name="日期版面配置區 4"/>
+          <p:cNvSpPr>
+            <a:spLocks noGrp="1"/>
+          </p:cNvSpPr>
+          <p:nvPr>
+            <p:ph type="dt" sz="half" idx="10"/>
+          </p:nvPr>
+        </p:nvSpPr>
+        <p:spPr/>
+        <p:txBody>
+          <a:bodyPr/>
+          <a:lstStyle/>
+          <a:p>
+            <a:fld id="{A4F910E6-8D00-4BAF-8C48-9688E0B449D3}" type="datetime1">
+              <a:rPr lang="zh-TW" altLang="en-US" smtClean="0"/>
+              <a:pPr/>
+              <a:t>2020/6/20</a:t>
+            </a:fld>
+            <a:endParaRPr lang="zh-TW" altLang="en-US"/>
+          </a:p>
+        </p:txBody>
+      </p:sp>
+      <p:sp>
+        <p:nvSpPr>
+          <p:cNvPr id="6" name="投影片編號版面配置區 5"/>
+          <p:cNvSpPr>
+            <a:spLocks noGrp="1"/>
+          </p:cNvSpPr>
+          <p:nvPr>
+            <p:ph type="sldNum" sz="quarter" idx="12"/>
+          </p:nvPr>
+        </p:nvSpPr>
+        <p:spPr/>
+        <p:txBody>
+          <a:bodyPr/>
+          <a:lstStyle/>
+          <a:p>
+            <a:fld id="{E4D7E63D-91F2-4366-A2C4-1B00C9E2590E}" type="slidenum">
+              <a:rPr lang="zh-TW" altLang="en-US" smtClean="0"/>
+              <a:pPr/>
+              <a:t>15</a:t>
+            </a:fld>
+            <a:endParaRPr lang="zh-TW" altLang="en-US"/>
+          </a:p>
+        </p:txBody>
+      </p:sp>
+    </p:spTree>
+    <p:extLst>
+      <p:ext uri="{BB962C8B-B14F-4D97-AF65-F5344CB8AC3E}">
+        <p14:creationId xmlns:p14="http://schemas.microsoft.com/office/powerpoint/2010/main" val="1136069530"/>
+      </p:ext>
+    </p:extLst>
+  </p:cSld>
+  <p:clrMapOvr>
+    <a:masterClrMapping/>
+  </p:clrMapOvr>
+</p:sld>
+</file>
+
+<file path=ppt/slides/slide16.xml><?xml version="1.0" encoding="utf-8"?>
+<p:sld xmlns:a="http://schemas.openxmlformats.org/drawingml/2006/main" xmlns:r="http://schemas.openxmlformats.org/officeDocument/2006/relationships" xmlns:p="http://schemas.openxmlformats.org/presentationml/2006/main">
+  <p:cSld>
+    <p:spTree>
+      <p:nvGrpSpPr>
+        <p:cNvPr id="1" name=""/>
+        <p:cNvGrpSpPr/>
+        <p:nvPr/>
+      </p:nvGrpSpPr>
+      <p:grpSpPr>
+        <a:xfrm>
+          <a:off x="0" y="0"/>
+          <a:ext cx="0" cy="0"/>
+          <a:chOff x="0" y="0"/>
+          <a:chExt cx="0" cy="0"/>
+        </a:xfrm>
+      </p:grpSpPr>
+      <p:sp>
+        <p:nvSpPr>
+          <p:cNvPr id="2" name="標題 1"/>
+          <p:cNvSpPr>
+            <a:spLocks noGrp="1"/>
+          </p:cNvSpPr>
+          <p:nvPr>
+            <p:ph type="ctrTitle"/>
+          </p:nvPr>
+        </p:nvSpPr>
+        <p:spPr>
+          <a:xfrm>
+            <a:off x="0" y="2130425"/>
+            <a:ext cx="9144000" cy="1470025"/>
+          </a:xfrm>
+          <a:solidFill>
+            <a:srgbClr val="00B0F0"/>
+          </a:solidFill>
+        </p:spPr>
+        <p:txBody>
+          <a:bodyPr>
+            <a:normAutofit/>
+          </a:bodyPr>
+          <a:lstStyle/>
+          <a:p>
+            <a:r>
+              <a:rPr lang="en-US" altLang="zh-TW" sz="4800" b="1" dirty="0">
+                <a:solidFill>
+                  <a:srgbClr val="FFFF00"/>
+                </a:solidFill>
+              </a:rPr>
+              <a:t>21.5 Quiz</a:t>
+            </a:r>
+            <a:endParaRPr lang="zh-TW" altLang="en-US" sz="4800" b="1" dirty="0">
+              <a:solidFill>
+                <a:srgbClr val="FFFF00"/>
+              </a:solidFill>
+            </a:endParaRPr>
+          </a:p>
+        </p:txBody>
+      </p:sp>
+      <p:sp>
+        <p:nvSpPr>
+          <p:cNvPr id="5" name="日期版面配置區 4"/>
+          <p:cNvSpPr>
+            <a:spLocks noGrp="1"/>
+          </p:cNvSpPr>
+          <p:nvPr>
+            <p:ph type="dt" sz="half" idx="10"/>
+          </p:nvPr>
+        </p:nvSpPr>
+        <p:spPr/>
+        <p:txBody>
+          <a:bodyPr/>
+          <a:lstStyle/>
+          <a:p>
+            <a:fld id="{C389EDC9-19E3-47AC-9C57-C6A24DEA81AD}" type="datetime1">
+              <a:rPr lang="zh-TW" altLang="en-US" smtClean="0"/>
+              <a:pPr/>
+              <a:t>2020/6/20</a:t>
+            </a:fld>
+            <a:endParaRPr lang="zh-TW" altLang="en-US"/>
+          </a:p>
+        </p:txBody>
+      </p:sp>
+      <p:sp>
+        <p:nvSpPr>
+          <p:cNvPr id="6" name="投影片編號版面配置區 5"/>
+          <p:cNvSpPr>
+            <a:spLocks noGrp="1"/>
+          </p:cNvSpPr>
+          <p:nvPr>
+            <p:ph type="sldNum" sz="quarter" idx="12"/>
+          </p:nvPr>
+        </p:nvSpPr>
+        <p:spPr/>
+        <p:txBody>
+          <a:bodyPr/>
+          <a:lstStyle/>
+          <a:p>
+            <a:fld id="{E4D7E63D-91F2-4366-A2C4-1B00C9E2590E}" type="slidenum">
+              <a:rPr lang="zh-TW" altLang="en-US" smtClean="0"/>
+              <a:pPr/>
+              <a:t>16</a:t>
             </a:fld>
             <a:endParaRPr lang="zh-TW" altLang="en-US"/>
           </a:p>
@@ -5067,7 +5476,7 @@
 </p:sld>
 </file>
 
-<file path=ppt/slides/slide15.xml><?xml version="1.0" encoding="utf-8"?>
+<file path=ppt/slides/slide17.xml><?xml version="1.0" encoding="utf-8"?>
 <p:sld xmlns:a="http://schemas.openxmlformats.org/drawingml/2006/main" xmlns:r="http://schemas.openxmlformats.org/officeDocument/2006/relationships" xmlns:p="http://schemas.openxmlformats.org/presentationml/2006/main">
   <p:cSld>
     <p:spTree>
@@ -5139,7 +5548,7 @@
                   <a:srgbClr val="FFFF00"/>
                 </a:solidFill>
               </a:rPr>
-              <a:t>21.1 Quiz</a:t>
+              <a:t>21.5 Quiz</a:t>
             </a:r>
             <a:endParaRPr lang="zh-TW" altLang="en-US" b="1" dirty="0">
               <a:solidFill>
@@ -5162,7 +5571,7 @@
         <p:spPr>
           <a:xfrm>
             <a:off x="425697" y="1259368"/>
-            <a:ext cx="8106743" cy="1665576"/>
+            <a:ext cx="8106743" cy="1953608"/>
           </a:xfrm>
           <a:ln>
             <a:solidFill>
@@ -5226,7 +5635,7 @@
                   <a:schemeClr val="tx1"/>
                 </a:solidFill>
               </a:rPr>
-              <a:t>Ans: transform the skewed data distribution into a normal data distribution.</a:t>
+              <a:t>Ans: transform the skewed data distribution in the selected column into a normal data distribution.</a:t>
             </a:r>
           </a:p>
           <a:p>
@@ -5388,7 +5797,7 @@
             <a:fld id="{E4D7E63D-91F2-4366-A2C4-1B00C9E2590E}" type="slidenum">
               <a:rPr lang="zh-TW" altLang="en-US" smtClean="0"/>
               <a:pPr/>
-              <a:t>15</a:t>
+              <a:t>17</a:t>
             </a:fld>
             <a:endParaRPr lang="zh-TW" altLang="en-US"/>
           </a:p>
@@ -5410,7 +5819,7 @@
             </p:nvSpPr>
             <p:spPr>
               <a:xfrm>
-                <a:off x="2267744" y="3065999"/>
+                <a:off x="2195736" y="3317506"/>
                 <a:ext cx="1971694" cy="884281"/>
               </a:xfrm>
               <a:prstGeom prst="rect">
@@ -5625,7 +6034,13 @@
                                 <a:rPr lang="en-US" b="0" i="1" smtClean="0">
                                   <a:latin typeface="Cambria Math" panose="02040503050406030204" pitchFamily="18" charset="0"/>
                                 </a:rPr>
-                                <m:t>  </m:t>
+                                <m:t> </m:t>
+                              </m:r>
+                              <m:r>
+                                <a:rPr lang="en-US" b="0" i="1" smtClean="0">
+                                  <a:latin typeface="Cambria Math" panose="02040503050406030204" pitchFamily="18" charset="0"/>
+                                </a:rPr>
+                                <m:t> </m:t>
                               </m:r>
                               <m:r>
                                 <a:rPr lang="en-US" i="1">
@@ -5731,7 +6146,7 @@
             </p:nvSpPr>
             <p:spPr>
               <a:xfrm>
-                <a:off x="2267744" y="3065999"/>
+                <a:off x="2195736" y="3317506"/>
                 <a:ext cx="1971694" cy="884281"/>
               </a:xfrm>
               <a:prstGeom prst="rect">
@@ -5780,7 +6195,7 @@
         </p:nvSpPr>
         <p:spPr>
           <a:xfrm>
-            <a:off x="518628" y="4196111"/>
+            <a:off x="458905" y="4433593"/>
             <a:ext cx="8106743" cy="360039"/>
           </a:xfrm>
           <a:prstGeom prst="rect">
@@ -5987,7 +6402,7 @@
             </p:nvSpPr>
             <p:spPr>
               <a:xfrm>
-                <a:off x="2267744" y="4708614"/>
+                <a:off x="2232113" y="4918859"/>
                 <a:ext cx="2142766" cy="1025665"/>
               </a:xfrm>
               <a:prstGeom prst="rect">
@@ -6006,6 +6421,7 @@
               </a:bodyPr>
               <a:lstStyle/>
               <a:p>
+                <a:pPr/>
                 <a14:m>
                   <m:oMathPara xmlns:m="http://schemas.openxmlformats.org/officeDocument/2006/math">
                     <m:oMathParaPr>
@@ -6221,7 +6637,7 @@
             </p:nvSpPr>
             <p:spPr>
               <a:xfrm>
-                <a:off x="2267744" y="4708614"/>
+                <a:off x="2232113" y="4918859"/>
                 <a:ext cx="2142766" cy="1025665"/>
               </a:xfrm>
               <a:prstGeom prst="rect">
@@ -6267,7 +6683,7 @@
 </p:sld>
 </file>
 
-<file path=ppt/slides/slide16.xml><?xml version="1.0" encoding="utf-8"?>
+<file path=ppt/slides/slide18.xml><?xml version="1.0" encoding="utf-8"?>
 <p:sld xmlns:a="http://schemas.openxmlformats.org/drawingml/2006/main" xmlns:r="http://schemas.openxmlformats.org/officeDocument/2006/relationships" xmlns:p="http://schemas.openxmlformats.org/presentationml/2006/main">
   <p:cSld>
     <p:spTree>
@@ -6339,7 +6755,7 @@
                   <a:srgbClr val="FFFF00"/>
                 </a:solidFill>
               </a:rPr>
-              <a:t>21.1 Quiz</a:t>
+              <a:t>21.5 Quiz</a:t>
             </a:r>
             <a:endParaRPr lang="zh-TW" altLang="en-US" b="1" dirty="0">
               <a:solidFill>
@@ -6408,7 +6824,7 @@
                   <a:schemeClr val="tx1"/>
                 </a:solidFill>
               </a:rPr>
-              <a:t>1. What is the following code doing?</a:t>
+              <a:t>3. What is the following code doing?</a:t>
             </a:r>
           </a:p>
           <a:p>
@@ -6636,7 +7052,7 @@
             <a:fld id="{E4D7E63D-91F2-4366-A2C4-1B00C9E2590E}" type="slidenum">
               <a:rPr lang="zh-TW" altLang="en-US" smtClean="0"/>
               <a:pPr/>
-              <a:t>16</a:t>
+              <a:t>18</a:t>
             </a:fld>
             <a:endParaRPr lang="zh-TW" altLang="en-US"/>
           </a:p>
@@ -6655,7 +7071,7 @@
 </p:sld>
 </file>
 
-<file path=ppt/slides/slide17.xml><?xml version="1.0" encoding="utf-8"?>
+<file path=ppt/slides/slide19.xml><?xml version="1.0" encoding="utf-8"?>
 <p:sld xmlns:a="http://schemas.openxmlformats.org/drawingml/2006/main" xmlns:r="http://schemas.openxmlformats.org/officeDocument/2006/relationships" xmlns:p="http://schemas.openxmlformats.org/presentationml/2006/main">
   <p:cSld>
     <p:spTree>
@@ -6727,7 +7143,7 @@
                   <a:srgbClr val="FFFF00"/>
                 </a:solidFill>
               </a:rPr>
-              <a:t>21.1 Quiz</a:t>
+              <a:t>21.5 Quiz</a:t>
             </a:r>
             <a:endParaRPr lang="zh-TW" altLang="en-US" b="1" dirty="0">
               <a:solidFill>
@@ -6922,7 +7338,7 @@
             <a:fld id="{E4D7E63D-91F2-4366-A2C4-1B00C9E2590E}" type="slidenum">
               <a:rPr lang="zh-TW" altLang="en-US" smtClean="0"/>
               <a:pPr/>
-              <a:t>17</a:t>
+              <a:t>19</a:t>
             </a:fld>
             <a:endParaRPr lang="zh-TW" altLang="en-US"/>
           </a:p>
@@ -7269,143 +7685,6 @@
 </p:sld>
 </file>
 
-<file path=ppt/slides/slide18.xml><?xml version="1.0" encoding="utf-8"?>
-<p:sld xmlns:a="http://schemas.openxmlformats.org/drawingml/2006/main" xmlns:r="http://schemas.openxmlformats.org/officeDocument/2006/relationships" xmlns:p="http://schemas.openxmlformats.org/presentationml/2006/main">
-  <p:cSld>
-    <p:spTree>
-      <p:nvGrpSpPr>
-        <p:cNvPr id="1" name=""/>
-        <p:cNvGrpSpPr/>
-        <p:nvPr/>
-      </p:nvGrpSpPr>
-      <p:grpSpPr>
-        <a:xfrm>
-          <a:off x="0" y="0"/>
-          <a:ext cx="0" cy="0"/>
-          <a:chOff x="0" y="0"/>
-          <a:chExt cx="0" cy="0"/>
-        </a:xfrm>
-      </p:grpSpPr>
-      <p:sp>
-        <p:nvSpPr>
-          <p:cNvPr id="2" name="標題 1"/>
-          <p:cNvSpPr>
-            <a:spLocks noGrp="1"/>
-          </p:cNvSpPr>
-          <p:nvPr>
-            <p:ph type="ctrTitle"/>
-          </p:nvPr>
-        </p:nvSpPr>
-        <p:spPr>
-          <a:xfrm>
-            <a:off x="0" y="2130425"/>
-            <a:ext cx="9144000" cy="1470025"/>
-          </a:xfrm>
-          <a:gradFill flip="none" rotWithShape="1">
-            <a:gsLst>
-              <a:gs pos="0">
-                <a:srgbClr val="00B0F0">
-                  <a:shade val="30000"/>
-                  <a:satMod val="115000"/>
-                </a:srgbClr>
-              </a:gs>
-              <a:gs pos="50000">
-                <a:srgbClr val="00B0F0">
-                  <a:shade val="67500"/>
-                  <a:satMod val="115000"/>
-                </a:srgbClr>
-              </a:gs>
-              <a:gs pos="100000">
-                <a:srgbClr val="00B0F0">
-                  <a:shade val="100000"/>
-                  <a:satMod val="115000"/>
-                </a:srgbClr>
-              </a:gs>
-            </a:gsLst>
-            <a:path path="circle">
-              <a:fillToRect t="100000" r="100000"/>
-            </a:path>
-            <a:tileRect l="-100000" b="-100000"/>
-          </a:gradFill>
-        </p:spPr>
-        <p:txBody>
-          <a:bodyPr>
-            <a:normAutofit/>
-          </a:bodyPr>
-          <a:lstStyle/>
-          <a:p>
-            <a:r>
-              <a:rPr lang="en-US" altLang="zh-TW" sz="6000" b="1" dirty="0">
-                <a:solidFill>
-                  <a:srgbClr val="FFFF00"/>
-                </a:solidFill>
-              </a:rPr>
-              <a:t>End of Chapter</a:t>
-            </a:r>
-            <a:endParaRPr lang="zh-TW" altLang="en-US" sz="6000" b="1" dirty="0">
-              <a:solidFill>
-                <a:srgbClr val="FFFF00"/>
-              </a:solidFill>
-            </a:endParaRPr>
-          </a:p>
-        </p:txBody>
-      </p:sp>
-      <p:sp>
-        <p:nvSpPr>
-          <p:cNvPr id="5" name="日期版面配置區 4"/>
-          <p:cNvSpPr>
-            <a:spLocks noGrp="1"/>
-          </p:cNvSpPr>
-          <p:nvPr>
-            <p:ph type="dt" sz="half" idx="10"/>
-          </p:nvPr>
-        </p:nvSpPr>
-        <p:spPr/>
-        <p:txBody>
-          <a:bodyPr/>
-          <a:lstStyle/>
-          <a:p>
-            <a:fld id="{4E46BE27-E923-4EC2-B046-3272AE2A3E5C}" type="datetime1">
-              <a:rPr lang="zh-TW" altLang="en-US" smtClean="0"/>
-              <a:pPr/>
-              <a:t>2020/6/20</a:t>
-            </a:fld>
-            <a:endParaRPr lang="zh-TW" altLang="en-US"/>
-          </a:p>
-        </p:txBody>
-      </p:sp>
-      <p:sp>
-        <p:nvSpPr>
-          <p:cNvPr id="6" name="投影片編號版面配置區 5"/>
-          <p:cNvSpPr>
-            <a:spLocks noGrp="1"/>
-          </p:cNvSpPr>
-          <p:nvPr>
-            <p:ph type="sldNum" sz="quarter" idx="12"/>
-          </p:nvPr>
-        </p:nvSpPr>
-        <p:spPr/>
-        <p:txBody>
-          <a:bodyPr/>
-          <a:lstStyle/>
-          <a:p>
-            <a:fld id="{E4D7E63D-91F2-4366-A2C4-1B00C9E2590E}" type="slidenum">
-              <a:rPr lang="zh-TW" altLang="en-US" smtClean="0"/>
-              <a:pPr/>
-              <a:t>18</a:t>
-            </a:fld>
-            <a:endParaRPr lang="zh-TW" altLang="en-US"/>
-          </a:p>
-        </p:txBody>
-      </p:sp>
-    </p:spTree>
-  </p:cSld>
-  <p:clrMapOvr>
-    <a:masterClrMapping/>
-  </p:clrMapOvr>
-</p:sld>
-</file>
-
 <file path=ppt/slides/slide2.xml><?xml version="1.0" encoding="utf-8"?>
 <p:sld xmlns:a="http://schemas.openxmlformats.org/drawingml/2006/main" xmlns:r="http://schemas.openxmlformats.org/officeDocument/2006/relationships" xmlns:p="http://schemas.openxmlformats.org/presentationml/2006/main">
   <p:cSld>
@@ -8303,6 +8582,143 @@
         <p14:creationId xmlns:p14="http://schemas.microsoft.com/office/powerpoint/2010/main" val="794379047"/>
       </p:ext>
     </p:extLst>
+  </p:cSld>
+  <p:clrMapOvr>
+    <a:masterClrMapping/>
+  </p:clrMapOvr>
+</p:sld>
+</file>
+
+<file path=ppt/slides/slide20.xml><?xml version="1.0" encoding="utf-8"?>
+<p:sld xmlns:a="http://schemas.openxmlformats.org/drawingml/2006/main" xmlns:r="http://schemas.openxmlformats.org/officeDocument/2006/relationships" xmlns:p="http://schemas.openxmlformats.org/presentationml/2006/main">
+  <p:cSld>
+    <p:spTree>
+      <p:nvGrpSpPr>
+        <p:cNvPr id="1" name=""/>
+        <p:cNvGrpSpPr/>
+        <p:nvPr/>
+      </p:nvGrpSpPr>
+      <p:grpSpPr>
+        <a:xfrm>
+          <a:off x="0" y="0"/>
+          <a:ext cx="0" cy="0"/>
+          <a:chOff x="0" y="0"/>
+          <a:chExt cx="0" cy="0"/>
+        </a:xfrm>
+      </p:grpSpPr>
+      <p:sp>
+        <p:nvSpPr>
+          <p:cNvPr id="2" name="標題 1"/>
+          <p:cNvSpPr>
+            <a:spLocks noGrp="1"/>
+          </p:cNvSpPr>
+          <p:nvPr>
+            <p:ph type="ctrTitle"/>
+          </p:nvPr>
+        </p:nvSpPr>
+        <p:spPr>
+          <a:xfrm>
+            <a:off x="0" y="2130425"/>
+            <a:ext cx="9144000" cy="1470025"/>
+          </a:xfrm>
+          <a:gradFill flip="none" rotWithShape="1">
+            <a:gsLst>
+              <a:gs pos="0">
+                <a:srgbClr val="00B0F0">
+                  <a:shade val="30000"/>
+                  <a:satMod val="115000"/>
+                </a:srgbClr>
+              </a:gs>
+              <a:gs pos="50000">
+                <a:srgbClr val="00B0F0">
+                  <a:shade val="67500"/>
+                  <a:satMod val="115000"/>
+                </a:srgbClr>
+              </a:gs>
+              <a:gs pos="100000">
+                <a:srgbClr val="00B0F0">
+                  <a:shade val="100000"/>
+                  <a:satMod val="115000"/>
+                </a:srgbClr>
+              </a:gs>
+            </a:gsLst>
+            <a:path path="circle">
+              <a:fillToRect t="100000" r="100000"/>
+            </a:path>
+            <a:tileRect l="-100000" b="-100000"/>
+          </a:gradFill>
+        </p:spPr>
+        <p:txBody>
+          <a:bodyPr>
+            <a:normAutofit/>
+          </a:bodyPr>
+          <a:lstStyle/>
+          <a:p>
+            <a:r>
+              <a:rPr lang="en-US" altLang="zh-TW" sz="6000" b="1" dirty="0">
+                <a:solidFill>
+                  <a:srgbClr val="FFFF00"/>
+                </a:solidFill>
+              </a:rPr>
+              <a:t>End of Chapter</a:t>
+            </a:r>
+            <a:endParaRPr lang="zh-TW" altLang="en-US" sz="6000" b="1" dirty="0">
+              <a:solidFill>
+                <a:srgbClr val="FFFF00"/>
+              </a:solidFill>
+            </a:endParaRPr>
+          </a:p>
+        </p:txBody>
+      </p:sp>
+      <p:sp>
+        <p:nvSpPr>
+          <p:cNvPr id="5" name="日期版面配置區 4"/>
+          <p:cNvSpPr>
+            <a:spLocks noGrp="1"/>
+          </p:cNvSpPr>
+          <p:nvPr>
+            <p:ph type="dt" sz="half" idx="10"/>
+          </p:nvPr>
+        </p:nvSpPr>
+        <p:spPr/>
+        <p:txBody>
+          <a:bodyPr/>
+          <a:lstStyle/>
+          <a:p>
+            <a:fld id="{4E46BE27-E923-4EC2-B046-3272AE2A3E5C}" type="datetime1">
+              <a:rPr lang="zh-TW" altLang="en-US" smtClean="0"/>
+              <a:pPr/>
+              <a:t>2020/6/20</a:t>
+            </a:fld>
+            <a:endParaRPr lang="zh-TW" altLang="en-US"/>
+          </a:p>
+        </p:txBody>
+      </p:sp>
+      <p:sp>
+        <p:nvSpPr>
+          <p:cNvPr id="6" name="投影片編號版面配置區 5"/>
+          <p:cNvSpPr>
+            <a:spLocks noGrp="1"/>
+          </p:cNvSpPr>
+          <p:nvPr>
+            <p:ph type="sldNum" sz="quarter" idx="12"/>
+          </p:nvPr>
+        </p:nvSpPr>
+        <p:spPr/>
+        <p:txBody>
+          <a:bodyPr/>
+          <a:lstStyle/>
+          <a:p>
+            <a:fld id="{E4D7E63D-91F2-4366-A2C4-1B00C9E2590E}" type="slidenum">
+              <a:rPr lang="zh-TW" altLang="en-US" smtClean="0"/>
+              <a:pPr/>
+              <a:t>20</a:t>
+            </a:fld>
+            <a:endParaRPr lang="zh-TW" altLang="en-US"/>
+          </a:p>
+        </p:txBody>
+      </p:sp>
+    </p:spTree>
   </p:cSld>
   <p:clrMapOvr>
     <a:masterClrMapping/>
@@ -10113,8 +10529,8 @@
           </a:p>
         </p:txBody>
       </p:sp>
-      <mc:AlternateContent xmlns:mc="http://schemas.openxmlformats.org/markup-compatibility/2006">
-        <mc:Choice xmlns:a14="http://schemas.microsoft.com/office/drawing/2010/main" Requires="a14">
+      <mc:AlternateContent xmlns:mc="http://schemas.openxmlformats.org/markup-compatibility/2006" xmlns:a14="http://schemas.microsoft.com/office/drawing/2010/main">
+        <mc:Choice Requires="a14">
           <p:sp>
             <p:nvSpPr>
               <p:cNvPr id="9" name="TextBox 8">
@@ -10344,7 +10760,13 @@
                                 <a:rPr lang="en-US" b="0" i="1" smtClean="0">
                                   <a:latin typeface="Cambria Math" panose="02040503050406030204" pitchFamily="18" charset="0"/>
                                 </a:rPr>
-                                <m:t>  </m:t>
+                                <m:t> </m:t>
+                              </m:r>
+                              <m:r>
+                                <a:rPr lang="en-US" b="0" i="1" smtClean="0">
+                                  <a:latin typeface="Cambria Math" panose="02040503050406030204" pitchFamily="18" charset="0"/>
+                                </a:rPr>
+                                <m:t> </m:t>
                               </m:r>
                               <m:r>
                                 <a:rPr lang="en-US" i="1">
@@ -10433,7 +10855,7 @@
             </p:txBody>
           </p:sp>
         </mc:Choice>
-        <mc:Fallback>
+        <mc:Fallback xmlns="">
           <p:sp>
             <p:nvSpPr>
               <p:cNvPr id="9" name="TextBox 8">
@@ -10698,8 +11120,8 @@
           </a:p>
         </p:txBody>
       </p:sp>
-      <mc:AlternateContent xmlns:mc="http://schemas.openxmlformats.org/markup-compatibility/2006">
-        <mc:Choice xmlns:a14="http://schemas.microsoft.com/office/drawing/2010/main" Requires="a14">
+      <mc:AlternateContent xmlns:mc="http://schemas.openxmlformats.org/markup-compatibility/2006" xmlns:a14="http://schemas.microsoft.com/office/drawing/2010/main">
+        <mc:Choice Requires="a14">
           <p:sp>
             <p:nvSpPr>
               <p:cNvPr id="67" name="TextBox 66">
@@ -10733,6 +11155,7 @@
               </a:bodyPr>
               <a:lstStyle/>
               <a:p>
+                <a:pPr/>
                 <a14:m>
                   <m:oMathPara xmlns:m="http://schemas.openxmlformats.org/officeDocument/2006/math">
                     <m:oMathParaPr>
@@ -10931,7 +11354,7 @@
             </p:txBody>
           </p:sp>
         </mc:Choice>
-        <mc:Fallback>
+        <mc:Fallback xmlns="">
           <p:sp>
             <p:nvSpPr>
               <p:cNvPr id="67" name="TextBox 66">
@@ -11193,8 +11616,8 @@
           </a:p>
         </p:txBody>
       </p:sp>
-      <mc:AlternateContent xmlns:mc="http://schemas.openxmlformats.org/markup-compatibility/2006">
-        <mc:Choice xmlns:a14="http://schemas.microsoft.com/office/drawing/2010/main" Requires="a14">
+      <mc:AlternateContent xmlns:mc="http://schemas.openxmlformats.org/markup-compatibility/2006" xmlns:a14="http://schemas.microsoft.com/office/drawing/2010/main">
+        <mc:Choice Requires="a14">
           <p:sp>
             <p:nvSpPr>
               <p:cNvPr id="11" name="TextBox 10">
@@ -11228,6 +11651,7 @@
               </a:bodyPr>
               <a:lstStyle/>
               <a:p>
+                <a:pPr/>
                 <a14:m>
                   <m:oMathPara xmlns:m="http://schemas.openxmlformats.org/officeDocument/2006/math">
                     <m:oMathParaPr>
@@ -11361,7 +11785,7 @@
             </p:txBody>
           </p:sp>
         </mc:Choice>
-        <mc:Fallback>
+        <mc:Fallback xmlns="">
           <p:sp>
             <p:nvSpPr>
               <p:cNvPr id="11" name="TextBox 10">
@@ -11623,8 +12047,8 @@
           </a:p>
         </p:txBody>
       </p:sp>
-      <mc:AlternateContent xmlns:mc="http://schemas.openxmlformats.org/markup-compatibility/2006">
-        <mc:Choice xmlns:a14="http://schemas.microsoft.com/office/drawing/2010/main" Requires="a14">
+      <mc:AlternateContent xmlns:mc="http://schemas.openxmlformats.org/markup-compatibility/2006" xmlns:a14="http://schemas.microsoft.com/office/drawing/2010/main">
+        <mc:Choice Requires="a14">
           <p:sp>
             <p:nvSpPr>
               <p:cNvPr id="12" name="TextBox 11">
@@ -11658,6 +12082,7 @@
               </a:bodyPr>
               <a:lstStyle/>
               <a:p>
+                <a:pPr/>
                 <a14:m>
                   <m:oMathPara xmlns:m="http://schemas.openxmlformats.org/officeDocument/2006/math">
                     <m:oMathParaPr>
@@ -11737,7 +12162,7 @@
             </p:txBody>
           </p:sp>
         </mc:Choice>
-        <mc:Fallback>
+        <mc:Fallback xmlns="">
           <p:sp>
             <p:nvSpPr>
               <p:cNvPr id="12" name="TextBox 11">
@@ -12252,8 +12677,8 @@
           </a:p>
         </p:txBody>
       </p:sp>
-      <mc:AlternateContent xmlns:mc="http://schemas.openxmlformats.org/markup-compatibility/2006">
-        <mc:Choice xmlns:a14="http://schemas.microsoft.com/office/drawing/2010/main" Requires="a14">
+      <mc:AlternateContent xmlns:mc="http://schemas.openxmlformats.org/markup-compatibility/2006" xmlns:a14="http://schemas.microsoft.com/office/drawing/2010/main">
+        <mc:Choice Requires="a14">
           <p:sp>
             <p:nvSpPr>
               <p:cNvPr id="11" name="TextBox 10">
@@ -12287,6 +12712,7 @@
               </a:bodyPr>
               <a:lstStyle/>
               <a:p>
+                <a:pPr/>
                 <a14:m>
                   <m:oMathPara xmlns:m="http://schemas.openxmlformats.org/officeDocument/2006/math">
                     <m:oMathParaPr>
@@ -12392,7 +12818,7 @@
             </p:txBody>
           </p:sp>
         </mc:Choice>
-        <mc:Fallback>
+        <mc:Fallback xmlns="">
           <p:sp>
             <p:nvSpPr>
               <p:cNvPr id="11" name="TextBox 10">
@@ -12654,8 +13080,8 @@
           </a:p>
         </p:txBody>
       </p:sp>
-      <mc:AlternateContent xmlns:mc="http://schemas.openxmlformats.org/markup-compatibility/2006">
-        <mc:Choice xmlns:a14="http://schemas.microsoft.com/office/drawing/2010/main" Requires="a14">
+      <mc:AlternateContent xmlns:mc="http://schemas.openxmlformats.org/markup-compatibility/2006" xmlns:a14="http://schemas.microsoft.com/office/drawing/2010/main">
+        <mc:Choice Requires="a14">
           <p:sp>
             <p:nvSpPr>
               <p:cNvPr id="12" name="TextBox 11">
@@ -12689,6 +13115,7 @@
               </a:bodyPr>
               <a:lstStyle/>
               <a:p>
+                <a:pPr/>
                 <a14:m>
                   <m:oMathPara xmlns:m="http://schemas.openxmlformats.org/officeDocument/2006/math">
                     <m:oMathParaPr>
@@ -12768,7 +13195,7 @@
             </p:txBody>
           </p:sp>
         </mc:Choice>
-        <mc:Fallback>
+        <mc:Fallback xmlns="">
           <p:sp>
             <p:nvSpPr>
               <p:cNvPr id="12" name="TextBox 11">
@@ -13046,8 +13473,8 @@
           </a:p>
         </p:txBody>
       </p:sp>
-      <mc:AlternateContent xmlns:mc="http://schemas.openxmlformats.org/markup-compatibility/2006">
-        <mc:Choice xmlns:a14="http://schemas.microsoft.com/office/drawing/2010/main" Requires="a14">
+      <mc:AlternateContent xmlns:mc="http://schemas.openxmlformats.org/markup-compatibility/2006" xmlns:a14="http://schemas.microsoft.com/office/drawing/2010/main">
+        <mc:Choice Requires="a14">
           <p:sp>
             <p:nvSpPr>
               <p:cNvPr id="7" name="TextBox 6">
@@ -13081,6 +13508,7 @@
               </a:bodyPr>
               <a:lstStyle/>
               <a:p>
+                <a:pPr/>
                 <a14:m>
                   <m:oMathPara xmlns:m="http://schemas.openxmlformats.org/officeDocument/2006/math">
                     <m:oMathParaPr>
@@ -13169,7 +13597,7 @@
             </p:txBody>
           </p:sp>
         </mc:Choice>
-        <mc:Fallback>
+        <mc:Fallback xmlns="">
           <p:sp>
             <p:nvSpPr>
               <p:cNvPr id="7" name="TextBox 6">
@@ -13431,8 +13859,8 @@
           </a:p>
         </p:txBody>
       </p:sp>
-      <mc:AlternateContent xmlns:mc="http://schemas.openxmlformats.org/markup-compatibility/2006">
-        <mc:Choice xmlns:a14="http://schemas.microsoft.com/office/drawing/2010/main" Requires="a14">
+      <mc:AlternateContent xmlns:mc="http://schemas.openxmlformats.org/markup-compatibility/2006" xmlns:a14="http://schemas.microsoft.com/office/drawing/2010/main">
+        <mc:Choice Requires="a14">
           <p:sp>
             <p:nvSpPr>
               <p:cNvPr id="19" name="TextBox 18">
@@ -13466,6 +13894,7 @@
               </a:bodyPr>
               <a:lstStyle/>
               <a:p>
+                <a:pPr/>
                 <a14:m>
                   <m:oMathPara xmlns:m="http://schemas.openxmlformats.org/officeDocument/2006/math">
                     <m:oMathParaPr>
@@ -13628,7 +14057,7 @@
             </p:txBody>
           </p:sp>
         </mc:Choice>
-        <mc:Fallback>
+        <mc:Fallback xmlns="">
           <p:sp>
             <p:nvSpPr>
               <p:cNvPr id="19" name="TextBox 18">
@@ -13678,8 +14107,8 @@
           </p:sp>
         </mc:Fallback>
       </mc:AlternateContent>
-      <mc:AlternateContent xmlns:mc="http://schemas.openxmlformats.org/markup-compatibility/2006">
-        <mc:Choice xmlns:a14="http://schemas.microsoft.com/office/drawing/2010/main" Requires="a14">
+      <mc:AlternateContent xmlns:mc="http://schemas.openxmlformats.org/markup-compatibility/2006" xmlns:a14="http://schemas.microsoft.com/office/drawing/2010/main">
+        <mc:Choice Requires="a14">
           <p:sp>
             <p:nvSpPr>
               <p:cNvPr id="20" name="TextBox 19">
@@ -13713,6 +14142,7 @@
               </a:bodyPr>
               <a:lstStyle/>
               <a:p>
+                <a:pPr/>
                 <a14:m>
                   <m:oMathPara xmlns:m="http://schemas.openxmlformats.org/officeDocument/2006/math">
                     <m:oMathParaPr>
@@ -13944,7 +14374,7 @@
             </p:txBody>
           </p:sp>
         </mc:Choice>
-        <mc:Fallback>
+        <mc:Fallback xmlns="">
           <p:sp>
             <p:nvSpPr>
               <p:cNvPr id="20" name="TextBox 19">
@@ -14671,8 +15101,8 @@
           </a:p>
         </p:txBody>
       </p:sp>
-      <mc:AlternateContent xmlns:mc="http://schemas.openxmlformats.org/markup-compatibility/2006">
-        <mc:Choice xmlns:a14="http://schemas.microsoft.com/office/drawing/2010/main" Requires="a14">
+      <mc:AlternateContent xmlns:mc="http://schemas.openxmlformats.org/markup-compatibility/2006" xmlns:a14="http://schemas.microsoft.com/office/drawing/2010/main">
+        <mc:Choice Requires="a14">
           <p:sp>
             <p:nvSpPr>
               <p:cNvPr id="19" name="TextBox 18">
@@ -14706,6 +15136,7 @@
               </a:bodyPr>
               <a:lstStyle/>
               <a:p>
+                <a:pPr/>
                 <a14:m>
                   <m:oMathPara xmlns:m="http://schemas.openxmlformats.org/officeDocument/2006/math">
                     <m:oMathParaPr>
@@ -14855,7 +15286,7 @@
             </p:txBody>
           </p:sp>
         </mc:Choice>
-        <mc:Fallback>
+        <mc:Fallback xmlns="">
           <p:sp>
             <p:nvSpPr>
               <p:cNvPr id="19" name="TextBox 18">
@@ -14905,8 +15336,8 @@
           </p:sp>
         </mc:Fallback>
       </mc:AlternateContent>
-      <mc:AlternateContent xmlns:mc="http://schemas.openxmlformats.org/markup-compatibility/2006">
-        <mc:Choice xmlns:a14="http://schemas.microsoft.com/office/drawing/2010/main" Requires="a14">
+      <mc:AlternateContent xmlns:mc="http://schemas.openxmlformats.org/markup-compatibility/2006" xmlns:a14="http://schemas.microsoft.com/office/drawing/2010/main">
+        <mc:Choice Requires="a14">
           <p:sp>
             <p:nvSpPr>
               <p:cNvPr id="20" name="TextBox 19">
@@ -14940,6 +15371,7 @@
               </a:bodyPr>
               <a:lstStyle/>
               <a:p>
+                <a:pPr/>
                 <a14:m>
                   <m:oMathPara xmlns:m="http://schemas.openxmlformats.org/officeDocument/2006/math">
                     <m:oMathParaPr>
@@ -15171,7 +15603,7 @@
             </p:txBody>
           </p:sp>
         </mc:Choice>
-        <mc:Fallback>
+        <mc:Fallback xmlns="">
           <p:sp>
             <p:nvSpPr>
               <p:cNvPr id="20" name="TextBox 19">
@@ -15433,8 +15865,8 @@
           </a:p>
         </p:txBody>
       </p:sp>
-      <mc:AlternateContent xmlns:mc="http://schemas.openxmlformats.org/markup-compatibility/2006">
-        <mc:Choice xmlns:a14="http://schemas.microsoft.com/office/drawing/2010/main" Requires="a14">
+      <mc:AlternateContent xmlns:mc="http://schemas.openxmlformats.org/markup-compatibility/2006" xmlns:a14="http://schemas.microsoft.com/office/drawing/2010/main">
+        <mc:Choice Requires="a14">
           <p:sp>
             <p:nvSpPr>
               <p:cNvPr id="23" name="TextBox 22">
@@ -15468,6 +15900,7 @@
               </a:bodyPr>
               <a:lstStyle/>
               <a:p>
+                <a:pPr/>
                 <a14:m>
                   <m:oMathPara xmlns:m="http://schemas.openxmlformats.org/officeDocument/2006/math">
                     <m:oMathParaPr>
@@ -15611,7 +16044,7 @@
             </p:txBody>
           </p:sp>
         </mc:Choice>
-        <mc:Fallback>
+        <mc:Fallback xmlns="">
           <p:sp>
             <p:nvSpPr>
               <p:cNvPr id="23" name="TextBox 22">
@@ -15661,8 +16094,8 @@
           </p:sp>
         </mc:Fallback>
       </mc:AlternateContent>
-      <mc:AlternateContent xmlns:mc="http://schemas.openxmlformats.org/markup-compatibility/2006">
-        <mc:Choice xmlns:a14="http://schemas.microsoft.com/office/drawing/2010/main" Requires="a14">
+      <mc:AlternateContent xmlns:mc="http://schemas.openxmlformats.org/markup-compatibility/2006" xmlns:a14="http://schemas.microsoft.com/office/drawing/2010/main">
+        <mc:Choice Requires="a14">
           <p:sp>
             <p:nvSpPr>
               <p:cNvPr id="25" name="TextBox 24">
@@ -15696,6 +16129,7 @@
               </a:bodyPr>
               <a:lstStyle/>
               <a:p>
+                <a:pPr/>
                 <a14:m>
                   <m:oMathPara xmlns:m="http://schemas.openxmlformats.org/officeDocument/2006/math">
                     <m:oMathParaPr>
@@ -15828,7 +16262,7 @@
             </p:txBody>
           </p:sp>
         </mc:Choice>
-        <mc:Fallback>
+        <mc:Fallback xmlns="">
           <p:sp>
             <p:nvSpPr>
               <p:cNvPr id="25" name="TextBox 24">
@@ -15878,8 +16312,8 @@
           </p:sp>
         </mc:Fallback>
       </mc:AlternateContent>
-      <mc:AlternateContent xmlns:mc="http://schemas.openxmlformats.org/markup-compatibility/2006">
-        <mc:Choice xmlns:a14="http://schemas.microsoft.com/office/drawing/2010/main" Requires="a14">
+      <mc:AlternateContent xmlns:mc="http://schemas.openxmlformats.org/markup-compatibility/2006" xmlns:a14="http://schemas.microsoft.com/office/drawing/2010/main">
+        <mc:Choice Requires="a14">
           <p:sp>
             <p:nvSpPr>
               <p:cNvPr id="28" name="TextBox 27">
@@ -15913,6 +16347,7 @@
               </a:bodyPr>
               <a:lstStyle/>
               <a:p>
+                <a:pPr/>
                 <a14:m>
                   <m:oMathPara xmlns:m="http://schemas.openxmlformats.org/officeDocument/2006/math">
                     <m:oMathParaPr>
@@ -16015,7 +16450,7 @@
             </p:txBody>
           </p:sp>
         </mc:Choice>
-        <mc:Fallback>
+        <mc:Fallback xmlns="">
           <p:sp>
             <p:nvSpPr>
               <p:cNvPr id="28" name="TextBox 27">

--- a/21_PowerTransform.pptx
+++ b/21_PowerTransform.pptx
@@ -5803,8 +5803,8 @@
           </a:p>
         </p:txBody>
       </p:sp>
-      <mc:AlternateContent xmlns:mc="http://schemas.openxmlformats.org/markup-compatibility/2006">
-        <mc:Choice xmlns:a14="http://schemas.microsoft.com/office/drawing/2010/main" Requires="a14">
+      <mc:AlternateContent xmlns:mc="http://schemas.openxmlformats.org/markup-compatibility/2006" xmlns:a14="http://schemas.microsoft.com/office/drawing/2010/main">
+        <mc:Choice Requires="a14">
           <p:sp>
             <p:nvSpPr>
               <p:cNvPr id="7" name="TextBox 6">
@@ -6129,7 +6129,7 @@
             </p:txBody>
           </p:sp>
         </mc:Choice>
-        <mc:Fallback>
+        <mc:Fallback xmlns="">
           <p:sp>
             <p:nvSpPr>
               <p:cNvPr id="7" name="TextBox 6">
@@ -6386,8 +6386,8 @@
           </a:p>
         </p:txBody>
       </p:sp>
-      <mc:AlternateContent xmlns:mc="http://schemas.openxmlformats.org/markup-compatibility/2006">
-        <mc:Choice xmlns:a14="http://schemas.microsoft.com/office/drawing/2010/main" Requires="a14">
+      <mc:AlternateContent xmlns:mc="http://schemas.openxmlformats.org/markup-compatibility/2006" xmlns:a14="http://schemas.microsoft.com/office/drawing/2010/main">
+        <mc:Choice Requires="a14">
           <p:sp>
             <p:nvSpPr>
               <p:cNvPr id="10" name="TextBox 9">
@@ -6620,7 +6620,7 @@
             </p:txBody>
           </p:sp>
         </mc:Choice>
-        <mc:Fallback>
+        <mc:Fallback xmlns="">
           <p:sp>
             <p:nvSpPr>
               <p:cNvPr id="10" name="TextBox 9">
@@ -8572,6 +8572,48 @@
             <a:r>
               <a:rPr lang="en-US" dirty="0"/>
               <a:t>Numbers</a:t>
+            </a:r>
+          </a:p>
+        </p:txBody>
+      </p:sp>
+      <p:sp>
+        <p:nvSpPr>
+          <p:cNvPr id="20" name="TextBox 19">
+            <a:extLst>
+              <a:ext uri="{FF2B5EF4-FFF2-40B4-BE49-F238E27FC236}">
+                <a16:creationId xmlns:a16="http://schemas.microsoft.com/office/drawing/2014/main" id="{C294A04B-7B14-4613-83D1-0A9A5ADE8468}"/>
+              </a:ext>
+            </a:extLst>
+          </p:cNvPr>
+          <p:cNvSpPr txBox="1"/>
+          <p:nvPr/>
+        </p:nvSpPr>
+        <p:spPr>
+          <a:xfrm>
+            <a:off x="2604863" y="6033184"/>
+            <a:ext cx="1702025" cy="646331"/>
+          </a:xfrm>
+          <a:prstGeom prst="rect">
+            <a:avLst/>
+          </a:prstGeom>
+          <a:solidFill>
+            <a:schemeClr val="bg1"/>
+          </a:solidFill>
+          <a:ln>
+            <a:solidFill>
+              <a:srgbClr val="C00000"/>
+            </a:solidFill>
+          </a:ln>
+        </p:spPr>
+        <p:txBody>
+          <a:bodyPr wrap="square" rtlCol="0">
+            <a:spAutoFit/>
+          </a:bodyPr>
+          <a:lstStyle/>
+          <a:p>
+            <a:r>
+              <a:rPr lang="en-US" dirty="0"/>
+              <a:t>Transform Feature Data</a:t>
             </a:r>
           </a:p>
         </p:txBody>
